--- a/过程文档/UMLbushutu.pptx
+++ b/过程文档/UMLbushutu.pptx
@@ -3948,7 +3948,7 @@
                 <a:latin typeface="迷你简艺黑" panose="03000509000000000000" pitchFamily="65" charset="-122"/>
                 <a:ea typeface="迷你简艺黑" panose="03000509000000000000" pitchFamily="65" charset="-122"/>
               </a:rPr>
-              <a:t>2.结点</a:t>
+              <a:t>2.结点 </a:t>
             </a:r>
             <a:endParaRPr lang="zh-CN" altLang="en-US" sz="2400" dirty="0" smtClean="0">
               <a:solidFill>
@@ -4148,17 +4148,7 @@
                 <a:latin typeface="迷你简艺黑" panose="03000509000000000000" pitchFamily="65" charset="-122"/>
                 <a:ea typeface="迷你简艺黑" panose="03000509000000000000" pitchFamily="65" charset="-122"/>
               </a:rPr>
-              <a:t>对部署图只能进行有限的正向工程（从模型生成代码</a:t>
-            </a:r>
-            <a:r>
-              <a:rPr lang="zh-CN" altLang="en-US" sz="1800" dirty="0">
-                <a:solidFill>
-                  <a:schemeClr val="bg1"/>
-                </a:solidFill>
-                <a:latin typeface="迷你简艺黑" panose="03000509000000000000" pitchFamily="65" charset="-122"/>
-                <a:ea typeface="迷你简艺黑" panose="03000509000000000000" pitchFamily="65" charset="-122"/>
-              </a:rPr>
-              <a:t>）</a:t>
+              <a:t>对部署图只能进行有限的正向工程（从模型生成代码）</a:t>
             </a:r>
             <a:endParaRPr lang="zh-CN" altLang="en-US" sz="1800" dirty="0">
               <a:solidFill>
